--- a/trunk/lessions/Android_Par10_DeviceInfomationsSMSTelephony.pptx
+++ b/trunk/lessions/Android_Par10_DeviceInfomationsSMSTelephony.pptx
@@ -378,6 +378,11 @@
         </p:txBody>
       </p:sp>
     </p:spTree>
+    <p:extLst>
+      <p:ext uri="{BB962C8B-B14F-4D97-AF65-F5344CB8AC3E}">
+        <p14:creationId xmlns:p14="http://schemas.microsoft.com/office/powerpoint/2010/main" val="2296554728"/>
+      </p:ext>
+    </p:extLst>
   </p:cSld>
   <p:clrMap bg1="lt1" tx1="dk1" bg2="lt2" tx2="dk2" accent1="accent1" accent2="accent2" accent3="accent3" accent4="accent4" accent5="accent5" accent6="accent6" hlink="hlink" folHlink="folHlink"/>
 </p:handoutMaster>
@@ -504,7 +509,7 @@
         <p:nvSpPr>
           <p:cNvPr id="13316" name="Rectangle 4"/>
           <p:cNvSpPr>
-            <a:spLocks noGrp="1" noRot="1" noChangeArrowheads="1" noTextEdit="1"/>
+            <a:spLocks noGrp="1" noRot="1" noChangeAspect="1" noChangeArrowheads="1" noTextEdit="1"/>
           </p:cNvSpPr>
           <p:nvPr>
             <p:ph type="sldImg" idx="2"/>
@@ -700,6 +705,11 @@
         </p:txBody>
       </p:sp>
     </p:spTree>
+    <p:extLst>
+      <p:ext uri="{BB962C8B-B14F-4D97-AF65-F5344CB8AC3E}">
+        <p14:creationId xmlns:p14="http://schemas.microsoft.com/office/powerpoint/2010/main" val="378201521"/>
+      </p:ext>
+    </p:extLst>
   </p:cSld>
   <p:clrMap bg1="lt1" tx1="dk1" bg2="lt2" tx2="dk2" accent1="accent1" accent2="accent2" accent3="accent3" accent4="accent4" accent5="accent5" accent6="accent6" hlink="hlink" folHlink="folHlink"/>
   <p:notesStyle>
@@ -874,7 +884,7 @@
         <p:nvSpPr>
           <p:cNvPr id="16386" name="Rectangle 2"/>
           <p:cNvSpPr>
-            <a:spLocks noGrp="1" noRot="1" noChangeArrowheads="1" noTextEdit="1"/>
+            <a:spLocks noGrp="1" noRot="1" noChangeAspect="1" noChangeArrowheads="1" noTextEdit="1"/>
           </p:cNvSpPr>
           <p:nvPr>
             <p:ph type="sldImg"/>
@@ -1995,7 +2005,7 @@
               <a:pPr>
                 <a:defRPr/>
               </a:pPr>
-              <a:t>09/11/2011</a:t>
+              <a:t>21/05/2012</a:t>
             </a:fld>
             <a:endParaRPr lang="en-US"/>
           </a:p>
@@ -2163,7 +2173,7 @@
               <a:pPr>
                 <a:defRPr/>
               </a:pPr>
-              <a:t>09/11/2011</a:t>
+              <a:t>21/05/2012</a:t>
             </a:fld>
             <a:endParaRPr lang="en-US"/>
           </a:p>
@@ -2374,7 +2384,7 @@
               <a:pPr>
                 <a:defRPr/>
               </a:pPr>
-              <a:t>09/11/2011</a:t>
+              <a:t>21/05/2012</a:t>
             </a:fld>
             <a:endParaRPr lang="en-US"/>
           </a:p>
@@ -2575,7 +2585,7 @@
               <a:pPr>
                 <a:defRPr/>
               </a:pPr>
-              <a:t>09/11/2011</a:t>
+              <a:t>21/05/2012</a:t>
             </a:fld>
             <a:endParaRPr lang="en-US"/>
           </a:p>
@@ -2798,7 +2808,7 @@
               <a:pPr>
                 <a:defRPr/>
               </a:pPr>
-              <a:t>09/11/2011</a:t>
+              <a:t>21/05/2012</a:t>
             </a:fld>
             <a:endParaRPr lang="en-US"/>
           </a:p>
@@ -3117,7 +3127,7 @@
               <a:pPr>
                 <a:defRPr/>
               </a:pPr>
-              <a:t>09/11/2011</a:t>
+              <a:t>21/05/2012</a:t>
             </a:fld>
             <a:endParaRPr lang="en-US"/>
           </a:p>
@@ -3575,7 +3585,7 @@
               <a:pPr>
                 <a:defRPr/>
               </a:pPr>
-              <a:t>09/11/2011</a:t>
+              <a:t>21/05/2012</a:t>
             </a:fld>
             <a:endParaRPr lang="en-US"/>
           </a:p>
@@ -3724,7 +3734,7 @@
               <a:pPr>
                 <a:defRPr/>
               </a:pPr>
-              <a:t>09/11/2011</a:t>
+              <a:t>21/05/2012</a:t>
             </a:fld>
             <a:endParaRPr lang="en-US"/>
           </a:p>
@@ -3850,7 +3860,7 @@
               <a:pPr>
                 <a:defRPr/>
               </a:pPr>
-              <a:t>09/11/2011</a:t>
+              <a:t>21/05/2012</a:t>
             </a:fld>
             <a:endParaRPr lang="en-US"/>
           </a:p>
@@ -4158,7 +4168,7 @@
               <a:pPr>
                 <a:defRPr/>
               </a:pPr>
-              <a:t>09/11/2011</a:t>
+              <a:t>21/05/2012</a:t>
             </a:fld>
             <a:endParaRPr lang="en-US"/>
           </a:p>
@@ -4443,7 +4453,7 @@
               <a:pPr>
                 <a:defRPr/>
               </a:pPr>
-              <a:t>09/11/2011</a:t>
+              <a:t>21/05/2012</a:t>
             </a:fld>
             <a:endParaRPr lang="en-US"/>
           </a:p>
@@ -5009,7 +5019,7 @@
               <a:pPr>
                 <a:defRPr/>
               </a:pPr>
-              <a:t>09/11/2011</a:t>
+              <a:t>21/05/2012</a:t>
             </a:fld>
             <a:endParaRPr lang="en-US"/>
           </a:p>
@@ -5661,15 +5671,43 @@
           <a:p>
             <a:pPr algn="r" eaLnBrk="1" hangingPunct="1"/>
             <a:r>
-              <a:rPr lang="en-US" smtClean="0"/>
-              <a:t>Lập trình trên Android</a:t>
+              <a:rPr lang="en-US" dirty="0" err="1" smtClean="0"/>
+              <a:t>Lập</a:t>
+            </a:r>
+            <a:r>
+              <a:rPr lang="en-US" dirty="0" smtClean="0"/>
+              <a:t> </a:t>
+            </a:r>
+            <a:r>
+              <a:rPr lang="en-US" dirty="0" err="1" smtClean="0"/>
+              <a:t>trình</a:t>
+            </a:r>
+            <a:r>
+              <a:rPr lang="en-US" dirty="0" smtClean="0"/>
+              <a:t> </a:t>
+            </a:r>
+            <a:r>
+              <a:rPr lang="en-US" dirty="0" err="1" smtClean="0"/>
+              <a:t>trên</a:t>
+            </a:r>
+            <a:r>
+              <a:rPr lang="en-US" dirty="0" smtClean="0"/>
+              <a:t> Android</a:t>
             </a:r>
             <a:br>
-              <a:rPr lang="en-US" smtClean="0"/>
+              <a:rPr lang="en-US" dirty="0" smtClean="0"/>
             </a:br>
             <a:r>
-              <a:rPr lang="en-US" smtClean="0"/>
-              <a:t>Phần 6– </a:t>
+              <a:rPr lang="en-US" dirty="0" err="1" smtClean="0"/>
+              <a:t>Phần</a:t>
+            </a:r>
+            <a:r>
+              <a:rPr lang="en-US" dirty="0" smtClean="0"/>
+              <a:t> </a:t>
+            </a:r>
+            <a:r>
+              <a:rPr lang="en-US" dirty="0" smtClean="0"/>
+              <a:t>10– </a:t>
             </a:r>
             <a:r>
               <a:rPr lang="en-US" smtClean="0">
@@ -5677,8 +5715,13 @@
                   <a:schemeClr val="tx2"/>
                 </a:solidFill>
               </a:rPr>
-              <a:t>Networking</a:t>
-            </a:r>
+              <a:t>Device Information</a:t>
+            </a:r>
+            <a:endParaRPr lang="en-US" dirty="0" smtClean="0">
+              <a:solidFill>
+                <a:schemeClr val="tx2"/>
+              </a:solidFill>
+            </a:endParaRPr>
           </a:p>
         </p:txBody>
       </p:sp>
@@ -6400,7 +6443,7 @@
                 </a:spcAft>
                 <a:defRPr/>
               </a:pPr>
-              <a:t>11/9/2011</a:t>
+              <a:t>5/21/2012</a:t>
             </a:fld>
             <a:endParaRPr lang="en-US" sz="1200">
               <a:solidFill>
@@ -6457,15 +6500,6 @@
               </a:rPr>
               <a:t>Trung Tâm Tin Học - ĐH KHTN - ĐH QG TP.HCM</a:t>
             </a:r>
-            <a:endParaRPr lang="en-US" sz="1200">
-              <a:solidFill>
-                <a:schemeClr val="tx1">
-                  <a:tint val="75000"/>
-                </a:schemeClr>
-              </a:solidFill>
-              <a:latin typeface="+mn-lt"/>
-              <a:cs typeface="+mn-cs"/>
-            </a:endParaRPr>
           </a:p>
         </p:txBody>
       </p:sp>
@@ -6746,7 +6780,7 @@
             </a:pPr>
             <a:r>
               <a:rPr lang="en-US" sz="2000" smtClean="0">
-                <a:hlinkClick r:id="rId6"/>
+                <a:hlinkClick r:id="rId3"/>
               </a:rPr>
               <a:t>sendMultipartTextMessage</a:t>
             </a:r>
@@ -6776,7 +6810,7 @@
             </a:r>
             <a:r>
               <a:rPr lang="en-US" sz="2000" smtClean="0">
-                <a:hlinkClick r:id="rId7"/>
+                <a:hlinkClick r:id="rId6"/>
               </a:rPr>
               <a:t>ArrayList</a:t>
             </a:r>
@@ -6796,7 +6830,7 @@
             </a:r>
             <a:r>
               <a:rPr lang="en-US" sz="2000" smtClean="0">
-                <a:hlinkClick r:id="rId7"/>
+                <a:hlinkClick r:id="rId6"/>
               </a:rPr>
               <a:t>ArrayList</a:t>
             </a:r>
@@ -6816,7 +6850,7 @@
             </a:r>
             <a:r>
               <a:rPr lang="en-US" sz="2000" smtClean="0">
-                <a:hlinkClick r:id="rId7"/>
+                <a:hlinkClick r:id="rId6"/>
               </a:rPr>
               <a:t>ArrayList</a:t>
             </a:r>
@@ -6842,7 +6876,7 @@
             </a:pPr>
             <a:r>
               <a:rPr lang="en-US" sz="2000" smtClean="0">
-                <a:hlinkClick r:id="rId8"/>
+                <a:hlinkClick r:id="rId3"/>
               </a:rPr>
               <a:t>sendDataMessage</a:t>
             </a:r>
@@ -7699,7 +7733,7 @@
             <a:fld id="{A0690D0C-FC09-4AEE-93AD-4DAA8DF0EF7C}" type="datetime1">
               <a:rPr lang="vi-VN" smtClean="0"/>
               <a:pPr/>
-              <a:t>09/11/2011</a:t>
+              <a:t>21/05/2012</a:t>
             </a:fld>
             <a:endParaRPr lang="en-US" smtClean="0"/>
           </a:p>
